--- a/Calendario2024/Ejercicios/E14_NAT/Ejercicio14.pptx
+++ b/Calendario2024/Ejercicios/E14_NAT/Ejercicio14.pptx
@@ -217,7 +217,7 @@
           <a:p>
             <a:fld id="{2D445F07-8756-451B-A938-0248325FC7BB}" type="datetimeFigureOut">
               <a:rPr lang="es-MX" smtClean="0"/>
-              <a:t>26/05/2024</a:t>
+              <a:t>27/05/2024</a:t>
             </a:fld>
             <a:endParaRPr lang="es-MX" dirty="0"/>
           </a:p>
@@ -834,7 +834,7 @@
           <a:p>
             <a:fld id="{5E75A0DC-66C6-4CEC-A5EB-F8C97CEC3796}" type="datetimeFigureOut">
               <a:rPr lang="es-MX" smtClean="0"/>
-              <a:t>26/05/2024</a:t>
+              <a:t>27/05/2024</a:t>
             </a:fld>
             <a:endParaRPr lang="es-MX" dirty="0"/>
           </a:p>
@@ -1004,7 +1004,7 @@
           <a:p>
             <a:fld id="{5E75A0DC-66C6-4CEC-A5EB-F8C97CEC3796}" type="datetimeFigureOut">
               <a:rPr lang="es-MX" smtClean="0"/>
-              <a:t>26/05/2024</a:t>
+              <a:t>27/05/2024</a:t>
             </a:fld>
             <a:endParaRPr lang="es-MX" dirty="0"/>
           </a:p>
@@ -1184,7 +1184,7 @@
           <a:p>
             <a:fld id="{5E75A0DC-66C6-4CEC-A5EB-F8C97CEC3796}" type="datetimeFigureOut">
               <a:rPr lang="es-MX" smtClean="0"/>
-              <a:t>26/05/2024</a:t>
+              <a:t>27/05/2024</a:t>
             </a:fld>
             <a:endParaRPr lang="es-MX" dirty="0"/>
           </a:p>
@@ -1354,7 +1354,7 @@
           <a:p>
             <a:fld id="{5E75A0DC-66C6-4CEC-A5EB-F8C97CEC3796}" type="datetimeFigureOut">
               <a:rPr lang="es-MX" smtClean="0"/>
-              <a:t>26/05/2024</a:t>
+              <a:t>27/05/2024</a:t>
             </a:fld>
             <a:endParaRPr lang="es-MX" dirty="0"/>
           </a:p>
@@ -1600,7 +1600,7 @@
           <a:p>
             <a:fld id="{5E75A0DC-66C6-4CEC-A5EB-F8C97CEC3796}" type="datetimeFigureOut">
               <a:rPr lang="es-MX" smtClean="0"/>
-              <a:t>26/05/2024</a:t>
+              <a:t>27/05/2024</a:t>
             </a:fld>
             <a:endParaRPr lang="es-MX" dirty="0"/>
           </a:p>
@@ -1888,7 +1888,7 @@
           <a:p>
             <a:fld id="{5E75A0DC-66C6-4CEC-A5EB-F8C97CEC3796}" type="datetimeFigureOut">
               <a:rPr lang="es-MX" smtClean="0"/>
-              <a:t>26/05/2024</a:t>
+              <a:t>27/05/2024</a:t>
             </a:fld>
             <a:endParaRPr lang="es-MX" dirty="0"/>
           </a:p>
@@ -2310,7 +2310,7 @@
           <a:p>
             <a:fld id="{5E75A0DC-66C6-4CEC-A5EB-F8C97CEC3796}" type="datetimeFigureOut">
               <a:rPr lang="es-MX" smtClean="0"/>
-              <a:t>26/05/2024</a:t>
+              <a:t>27/05/2024</a:t>
             </a:fld>
             <a:endParaRPr lang="es-MX" dirty="0"/>
           </a:p>
@@ -2428,7 +2428,7 @@
           <a:p>
             <a:fld id="{5E75A0DC-66C6-4CEC-A5EB-F8C97CEC3796}" type="datetimeFigureOut">
               <a:rPr lang="es-MX" smtClean="0"/>
-              <a:t>26/05/2024</a:t>
+              <a:t>27/05/2024</a:t>
             </a:fld>
             <a:endParaRPr lang="es-MX" dirty="0"/>
           </a:p>
@@ -2523,7 +2523,7 @@
           <a:p>
             <a:fld id="{5E75A0DC-66C6-4CEC-A5EB-F8C97CEC3796}" type="datetimeFigureOut">
               <a:rPr lang="es-MX" smtClean="0"/>
-              <a:t>26/05/2024</a:t>
+              <a:t>27/05/2024</a:t>
             </a:fld>
             <a:endParaRPr lang="es-MX" dirty="0"/>
           </a:p>
@@ -2800,7 +2800,7 @@
           <a:p>
             <a:fld id="{5E75A0DC-66C6-4CEC-A5EB-F8C97CEC3796}" type="datetimeFigureOut">
               <a:rPr lang="es-MX" smtClean="0"/>
-              <a:t>26/05/2024</a:t>
+              <a:t>27/05/2024</a:t>
             </a:fld>
             <a:endParaRPr lang="es-MX" dirty="0"/>
           </a:p>
@@ -3053,7 +3053,7 @@
           <a:p>
             <a:fld id="{5E75A0DC-66C6-4CEC-A5EB-F8C97CEC3796}" type="datetimeFigureOut">
               <a:rPr lang="es-MX" smtClean="0"/>
-              <a:t>26/05/2024</a:t>
+              <a:t>27/05/2024</a:t>
             </a:fld>
             <a:endParaRPr lang="es-MX" dirty="0"/>
           </a:p>
@@ -3266,7 +3266,7 @@
           <a:p>
             <a:fld id="{5E75A0DC-66C6-4CEC-A5EB-F8C97CEC3796}" type="datetimeFigureOut">
               <a:rPr lang="es-MX" smtClean="0"/>
-              <a:t>26/05/2024</a:t>
+              <a:t>27/05/2024</a:t>
             </a:fld>
             <a:endParaRPr lang="es-MX" dirty="0"/>
           </a:p>
@@ -4111,7 +4111,7 @@
         </p:blipFill>
         <p:spPr>
           <a:xfrm>
-            <a:off x="662891" y="4186328"/>
+            <a:off x="662891" y="3832994"/>
             <a:ext cx="7818218" cy="2631817"/>
           </a:xfrm>
           <a:prstGeom prst="rect">
@@ -4210,7 +4210,7 @@
         <p:spPr bwMode="auto">
           <a:xfrm>
             <a:off x="354182" y="1005401"/>
-            <a:ext cx="8610305" cy="3165803"/>
+            <a:ext cx="8610305" cy="2819554"/>
           </a:xfrm>
           <a:prstGeom prst="rect">
             <a:avLst/>
@@ -4519,51 +4519,6 @@
                 <a:cs typeface="Arial" panose="020B0604020202020204" pitchFamily="34" charset="0"/>
               </a:rPr>
               <a:t>.</a:t>
-            </a:r>
-          </a:p>
-          <a:p>
-            <a:pPr marL="342900" indent="-342900" algn="just">
-              <a:lnSpc>
-                <a:spcPct val="150000"/>
-              </a:lnSpc>
-              <a:buFont typeface="+mj-lt"/>
-              <a:buAutoNum type="arabicPeriod"/>
-            </a:pPr>
-            <a:r>
-              <a:rPr lang="es-MX" sz="1500" dirty="0">
-                <a:solidFill>
-                  <a:schemeClr val="bg2">
-                    <a:lumMod val="25000"/>
-                  </a:schemeClr>
-                </a:solidFill>
-                <a:latin typeface="Arial" panose="020B0604020202020204" pitchFamily="34" charset="0"/>
-                <a:cs typeface="Arial" panose="020B0604020202020204" pitchFamily="34" charset="0"/>
-              </a:rPr>
-              <a:t>Se instalarán </a:t>
-            </a:r>
-            <a:r>
-              <a:rPr lang="es-MX" sz="1500" b="1" dirty="0">
-                <a:solidFill>
-                  <a:schemeClr val="bg2">
-                    <a:lumMod val="25000"/>
-                  </a:schemeClr>
-                </a:solidFill>
-                <a:latin typeface="Arial" panose="020B0604020202020204" pitchFamily="34" charset="0"/>
-                <a:cs typeface="Arial" panose="020B0604020202020204" pitchFamily="34" charset="0"/>
-              </a:rPr>
-              <a:t>rutas estáticas </a:t>
-            </a:r>
-            <a:r>
-              <a:rPr lang="es-MX" sz="1500" dirty="0">
-                <a:solidFill>
-                  <a:schemeClr val="bg2">
-                    <a:lumMod val="25000"/>
-                  </a:schemeClr>
-                </a:solidFill>
-                <a:latin typeface="Arial" panose="020B0604020202020204" pitchFamily="34" charset="0"/>
-                <a:cs typeface="Arial" panose="020B0604020202020204" pitchFamily="34" charset="0"/>
-              </a:rPr>
-              <a:t>en el ISP hacia las redes de la empresa.</a:t>
             </a:r>
           </a:p>
           <a:p>
@@ -6116,7 +6071,7 @@
               </a:lnSpc>
             </a:pPr>
             <a:r>
-              <a:rPr lang="es-MX" sz="1600" b="1" dirty="0">
+              <a:rPr lang="es-MX" sz="1600" b="1" dirty="0" err="1">
                 <a:solidFill>
                   <a:schemeClr val="accent6">
                     <a:lumMod val="75000"/>
@@ -6125,7 +6080,19 @@
                 <a:latin typeface="Arial" panose="020B0604020202020204" pitchFamily="34" charset="0"/>
                 <a:cs typeface="Arial" panose="020B0604020202020204" pitchFamily="34" charset="0"/>
               </a:rPr>
-              <a:t>network </a:t>
+              <a:t>network</a:t>
+            </a:r>
+            <a:r>
+              <a:rPr lang="es-MX" sz="1600" b="1" dirty="0">
+                <a:solidFill>
+                  <a:schemeClr val="accent6">
+                    <a:lumMod val="75000"/>
+                  </a:schemeClr>
+                </a:solidFill>
+                <a:latin typeface="Arial" panose="020B0604020202020204" pitchFamily="34" charset="0"/>
+                <a:cs typeface="Arial" panose="020B0604020202020204" pitchFamily="34" charset="0"/>
+              </a:rPr>
+              <a:t> </a:t>
             </a:r>
             <a:r>
               <a:rPr lang="es-MX" sz="1600" dirty="0">
@@ -6137,7 +6104,7 @@
                 <a:latin typeface="Arial" panose="020B0604020202020204" pitchFamily="34" charset="0"/>
                 <a:cs typeface="Arial" panose="020B0604020202020204" pitchFamily="34" charset="0"/>
               </a:rPr>
-              <a:t>dirIP_inicial Máscara de subred</a:t>
+              <a:t>Dirección de red Máscara de subred</a:t>
             </a:r>
           </a:p>
           <a:p>
@@ -6578,8 +6545,8 @@
         </p:nvSpPr>
         <p:spPr bwMode="auto">
           <a:xfrm>
-            <a:off x="211297" y="908720"/>
-            <a:ext cx="8640960" cy="2262671"/>
+            <a:off x="323527" y="908720"/>
+            <a:ext cx="8528729" cy="1893339"/>
           </a:xfrm>
           <a:prstGeom prst="rect">
             <a:avLst/>
@@ -6729,62 +6696,6 @@
                 <a:cs typeface="Arial" panose="020B0604020202020204" pitchFamily="34" charset="0"/>
               </a:rPr>
               <a:t>ISP-ALESTRA</a:t>
-            </a:r>
-          </a:p>
-          <a:p>
-            <a:pPr marL="342900" indent="-342900" algn="just">
-              <a:lnSpc>
-                <a:spcPct val="150000"/>
-              </a:lnSpc>
-              <a:buFont typeface="Arial" panose="020B0604020202020204" pitchFamily="34" charset="0"/>
-              <a:buChar char="•"/>
-            </a:pPr>
-            <a:r>
-              <a:rPr lang="es-MX" sz="1600" dirty="0">
-                <a:latin typeface="Arial" panose="020B0604020202020204" pitchFamily="34" charset="0"/>
-                <a:cs typeface="Arial" panose="020B0604020202020204" pitchFamily="34" charset="0"/>
-              </a:rPr>
-              <a:t>Configura </a:t>
-            </a:r>
-            <a:r>
-              <a:rPr lang="es-MX" sz="1600" b="1" dirty="0">
-                <a:solidFill>
-                  <a:schemeClr val="accent6">
-                    <a:lumMod val="75000"/>
-                  </a:schemeClr>
-                </a:solidFill>
-                <a:latin typeface="Arial" panose="020B0604020202020204" pitchFamily="34" charset="0"/>
-                <a:cs typeface="Arial" panose="020B0604020202020204" pitchFamily="34" charset="0"/>
-              </a:rPr>
-              <a:t>rutas estáticas </a:t>
-            </a:r>
-            <a:r>
-              <a:rPr lang="es-MX" sz="1600" dirty="0">
-                <a:latin typeface="Arial" panose="020B0604020202020204" pitchFamily="34" charset="0"/>
-                <a:cs typeface="Arial" panose="020B0604020202020204" pitchFamily="34" charset="0"/>
-              </a:rPr>
-              <a:t>hacia las redes </a:t>
-            </a:r>
-            <a:r>
-              <a:rPr lang="es-MX" sz="1600" b="1" dirty="0">
-                <a:latin typeface="Arial" panose="020B0604020202020204" pitchFamily="34" charset="0"/>
-                <a:cs typeface="Arial" panose="020B0604020202020204" pitchFamily="34" charset="0"/>
-              </a:rPr>
-              <a:t>verde</a:t>
-            </a:r>
-            <a:r>
-              <a:rPr lang="es-MX" sz="1600" dirty="0">
-                <a:latin typeface="Arial" panose="020B0604020202020204" pitchFamily="34" charset="0"/>
-                <a:cs typeface="Arial" panose="020B0604020202020204" pitchFamily="34" charset="0"/>
-              </a:rPr>
-              <a:t> y </a:t>
-            </a:r>
-            <a:r>
-              <a:rPr lang="es-MX" sz="1600" b="1" dirty="0">
-                <a:latin typeface="Arial" panose="020B0604020202020204" pitchFamily="34" charset="0"/>
-                <a:cs typeface="Arial" panose="020B0604020202020204" pitchFamily="34" charset="0"/>
-              </a:rPr>
-              <a:t>amarilla</a:t>
             </a:r>
           </a:p>
           <a:p>
